--- a/SideProject/MBTI/MBTI_QUESTIONS.pptx
+++ b/SideProject/MBTI/MBTI_QUESTIONS.pptx
@@ -275,7 +275,7 @@
           <a:p>
             <a:fld id="{86D1AA0C-7147-4822-A7BE-239DDAC4216C}" type="datetimeFigureOut">
               <a:rPr lang="ko-KR" altLang="en-US" smtClean="0"/>
-              <a:t>2022-04-20</a:t>
+              <a:t>2022-05-09</a:t>
             </a:fld>
             <a:endParaRPr lang="ko-KR" altLang="en-US"/>
           </a:p>
@@ -473,7 +473,7 @@
           <a:p>
             <a:fld id="{86D1AA0C-7147-4822-A7BE-239DDAC4216C}" type="datetimeFigureOut">
               <a:rPr lang="ko-KR" altLang="en-US" smtClean="0"/>
-              <a:t>2022-04-20</a:t>
+              <a:t>2022-05-09</a:t>
             </a:fld>
             <a:endParaRPr lang="ko-KR" altLang="en-US"/>
           </a:p>
@@ -681,7 +681,7 @@
           <a:p>
             <a:fld id="{86D1AA0C-7147-4822-A7BE-239DDAC4216C}" type="datetimeFigureOut">
               <a:rPr lang="ko-KR" altLang="en-US" smtClean="0"/>
-              <a:t>2022-04-20</a:t>
+              <a:t>2022-05-09</a:t>
             </a:fld>
             <a:endParaRPr lang="ko-KR" altLang="en-US"/>
           </a:p>
@@ -879,7 +879,7 @@
           <a:p>
             <a:fld id="{86D1AA0C-7147-4822-A7BE-239DDAC4216C}" type="datetimeFigureOut">
               <a:rPr lang="ko-KR" altLang="en-US" smtClean="0"/>
-              <a:t>2022-04-20</a:t>
+              <a:t>2022-05-09</a:t>
             </a:fld>
             <a:endParaRPr lang="ko-KR" altLang="en-US"/>
           </a:p>
@@ -1154,7 +1154,7 @@
           <a:p>
             <a:fld id="{86D1AA0C-7147-4822-A7BE-239DDAC4216C}" type="datetimeFigureOut">
               <a:rPr lang="ko-KR" altLang="en-US" smtClean="0"/>
-              <a:t>2022-04-20</a:t>
+              <a:t>2022-05-09</a:t>
             </a:fld>
             <a:endParaRPr lang="ko-KR" altLang="en-US"/>
           </a:p>
@@ -1419,7 +1419,7 @@
           <a:p>
             <a:fld id="{86D1AA0C-7147-4822-A7BE-239DDAC4216C}" type="datetimeFigureOut">
               <a:rPr lang="ko-KR" altLang="en-US" smtClean="0"/>
-              <a:t>2022-04-20</a:t>
+              <a:t>2022-05-09</a:t>
             </a:fld>
             <a:endParaRPr lang="ko-KR" altLang="en-US"/>
           </a:p>
@@ -1831,7 +1831,7 @@
           <a:p>
             <a:fld id="{86D1AA0C-7147-4822-A7BE-239DDAC4216C}" type="datetimeFigureOut">
               <a:rPr lang="ko-KR" altLang="en-US" smtClean="0"/>
-              <a:t>2022-04-20</a:t>
+              <a:t>2022-05-09</a:t>
             </a:fld>
             <a:endParaRPr lang="ko-KR" altLang="en-US"/>
           </a:p>
@@ -1972,7 +1972,7 @@
           <a:p>
             <a:fld id="{86D1AA0C-7147-4822-A7BE-239DDAC4216C}" type="datetimeFigureOut">
               <a:rPr lang="ko-KR" altLang="en-US" smtClean="0"/>
-              <a:t>2022-04-20</a:t>
+              <a:t>2022-05-09</a:t>
             </a:fld>
             <a:endParaRPr lang="ko-KR" altLang="en-US"/>
           </a:p>
@@ -2085,7 +2085,7 @@
           <a:p>
             <a:fld id="{86D1AA0C-7147-4822-A7BE-239DDAC4216C}" type="datetimeFigureOut">
               <a:rPr lang="ko-KR" altLang="en-US" smtClean="0"/>
-              <a:t>2022-04-20</a:t>
+              <a:t>2022-05-09</a:t>
             </a:fld>
             <a:endParaRPr lang="ko-KR" altLang="en-US"/>
           </a:p>
@@ -2396,7 +2396,7 @@
           <a:p>
             <a:fld id="{86D1AA0C-7147-4822-A7BE-239DDAC4216C}" type="datetimeFigureOut">
               <a:rPr lang="ko-KR" altLang="en-US" smtClean="0"/>
-              <a:t>2022-04-20</a:t>
+              <a:t>2022-05-09</a:t>
             </a:fld>
             <a:endParaRPr lang="ko-KR" altLang="en-US"/>
           </a:p>
@@ -2684,7 +2684,7 @@
           <a:p>
             <a:fld id="{86D1AA0C-7147-4822-A7BE-239DDAC4216C}" type="datetimeFigureOut">
               <a:rPr lang="ko-KR" altLang="en-US" smtClean="0"/>
-              <a:t>2022-04-20</a:t>
+              <a:t>2022-05-09</a:t>
             </a:fld>
             <a:endParaRPr lang="ko-KR" altLang="en-US"/>
           </a:p>
@@ -2925,7 +2925,7 @@
           <a:p>
             <a:fld id="{86D1AA0C-7147-4822-A7BE-239DDAC4216C}" type="datetimeFigureOut">
               <a:rPr lang="ko-KR" altLang="en-US" smtClean="0"/>
-              <a:t>2022-04-20</a:t>
+              <a:t>2022-05-09</a:t>
             </a:fld>
             <a:endParaRPr lang="ko-KR" altLang="en-US"/>
           </a:p>
@@ -6150,7 +6150,7 @@
             <p:ph idx="1"/>
             <p:extLst>
               <p:ext uri="{D42A27DB-BD31-4B8C-83A1-F6EECF244321}">
-                <p14:modId xmlns:p14="http://schemas.microsoft.com/office/powerpoint/2010/main" val="3762792615"/>
+                <p14:modId xmlns:p14="http://schemas.microsoft.com/office/powerpoint/2010/main" val="1771322922"/>
               </p:ext>
             </p:extLst>
           </p:nvPr>
@@ -6555,7 +6555,7 @@
                       <a:pPr algn="ctr" latinLnBrk="1"/>
                       <a:r>
                         <a:rPr lang="ko-KR" altLang="en-US" sz="1600" b="1" dirty="0"/>
-                        <a:t>점심 시간이 다 됐는데 아무도 일어나지 않고 일만 한다</a:t>
+                        <a:t>점심 시간이 다 됐는데 아무도 일어나지 않는다</a:t>
                       </a:r>
                       <a:r>
                         <a:rPr lang="en-US" altLang="ko-KR" sz="1600" b="1" dirty="0"/>
@@ -6719,7 +6719,7 @@
             <p:ph idx="1"/>
             <p:extLst>
               <p:ext uri="{D42A27DB-BD31-4B8C-83A1-F6EECF244321}">
-                <p14:modId xmlns:p14="http://schemas.microsoft.com/office/powerpoint/2010/main" val="446979891"/>
+                <p14:modId xmlns:p14="http://schemas.microsoft.com/office/powerpoint/2010/main" val="3545620081"/>
               </p:ext>
             </p:extLst>
           </p:nvPr>
@@ -6892,30 +6892,15 @@
                       <a:pPr algn="ctr" latinLnBrk="1"/>
                       <a:r>
                         <a:rPr lang="en-US" altLang="ko-KR" sz="1600" b="1" dirty="0"/>
-                        <a:t>‘SF</a:t>
+                        <a:t>SF </a:t>
                       </a:r>
                       <a:r>
                         <a:rPr lang="ko-KR" altLang="en-US" sz="1600" b="1" dirty="0"/>
-                        <a:t> 연구실 연구원들이 미로에 갇혔다</a:t>
+                        <a:t>연구실 연구원들이 미로에 갇혔다</a:t>
                       </a:r>
                       <a:r>
                         <a:rPr lang="en-US" altLang="ko-KR" sz="1600" b="1" dirty="0"/>
                         <a:t>…</a:t>
-                      </a:r>
-                    </a:p>
-                    <a:p>
-                      <a:pPr algn="ctr" latinLnBrk="1"/>
-                      <a:r>
-                        <a:rPr lang="ko-KR" altLang="en-US" sz="1600" b="1" dirty="0"/>
-                        <a:t>미로에서 연구원들을 </a:t>
-                      </a:r>
-                      <a:r>
-                        <a:rPr lang="ko-KR" altLang="en-US" sz="1600" b="1" dirty="0" err="1"/>
-                        <a:t>탈출시켜라</a:t>
-                      </a:r>
-                      <a:r>
-                        <a:rPr lang="en-US" altLang="ko-KR" sz="1600" b="1" dirty="0"/>
-                        <a:t>!‘</a:t>
                       </a:r>
                     </a:p>
                     <a:p>
@@ -7136,7 +7121,7 @@
                           <a:ea typeface="+mn-ea"/>
                           <a:cs typeface="+mn-cs"/>
                         </a:rPr>
-                        <a:t>당신의 생각은</a:t>
+                        <a:t>내 속마음은</a:t>
                       </a:r>
                       <a:r>
                         <a:rPr lang="en-US" altLang="ko-KR" sz="1600" b="1" i="0" kern="1200" dirty="0">
@@ -7491,6 +7476,11 @@
           </p:cNvGraphicFramePr>
           <p:nvPr>
             <p:ph idx="1"/>
+            <p:extLst>
+              <p:ext uri="{D42A27DB-BD31-4B8C-83A1-F6EECF244321}">
+                <p14:modId xmlns:p14="http://schemas.microsoft.com/office/powerpoint/2010/main" val="178393172"/>
+              </p:ext>
+            </p:extLst>
           </p:nvPr>
         </p:nvGraphicFramePr>
         <p:xfrm>
@@ -7641,46 +7631,32 @@
                     <a:p>
                       <a:pPr algn="ctr" latinLnBrk="1"/>
                       <a:r>
-                        <a:rPr lang="en-US" altLang="ko-KR" sz="1600" b="1" dirty="0"/>
-                        <a:t>“</a:t>
-                      </a:r>
-                      <a:r>
                         <a:rPr lang="ko-KR" altLang="en-US" sz="1600" b="1" dirty="0"/>
-                        <a:t>어제 짠 코드가 계속 에러가 나서 밤샜어</a:t>
+                        <a:t>“코드가 계속 에러가 나서 밤샜어</a:t>
                       </a:r>
                       <a:r>
                         <a:rPr lang="en-US" altLang="ko-KR" sz="1600" b="1" dirty="0"/>
                         <a:t>.. </a:t>
                       </a:r>
-                    </a:p>
-                    <a:p>
-                      <a:pPr algn="ctr" latinLnBrk="1"/>
                       <a:r>
                         <a:rPr lang="ko-KR" altLang="en-US" sz="1600" b="1" dirty="0"/>
-                        <a:t>너무 힘들다 </a:t>
+                        <a:t>너무 </a:t>
                       </a:r>
                       <a:r>
                         <a:rPr lang="ko-KR" altLang="en-US" sz="1600" b="1" dirty="0" err="1"/>
-                        <a:t>ㅠㅠ</a:t>
+                        <a:t>힘들다ㅠ</a:t>
+                      </a:r>
+                      <a:r>
+                        <a:rPr lang="ko-KR" altLang="en-US" sz="1600" b="1" dirty="0"/>
+                        <a:t>” 라고 말하는 친구</a:t>
                       </a:r>
                       <a:r>
                         <a:rPr lang="en-US" altLang="ko-KR" sz="1600" b="1" dirty="0"/>
-                        <a:t>” </a:t>
+                        <a:t>, </a:t>
                       </a:r>
                       <a:r>
                         <a:rPr lang="ko-KR" altLang="en-US" sz="1600" b="1" dirty="0"/>
-                        <a:t>라고 이야기하는 친구</a:t>
-                      </a:r>
-                      <a:r>
-                        <a:rPr lang="en-US" altLang="ko-KR" sz="1600" b="1" dirty="0"/>
-                        <a:t>,</a:t>
-                      </a:r>
-                    </a:p>
-                    <a:p>
-                      <a:pPr algn="ctr" latinLnBrk="1"/>
-                      <a:r>
-                        <a:rPr lang="ko-KR" altLang="en-US" sz="1600" b="1" dirty="0"/>
-                        <a:t> 당신의 대답은</a:t>
+                        <a:t>당신의 대답은</a:t>
                       </a:r>
                       <a:r>
                         <a:rPr lang="en-US" altLang="ko-KR" sz="1600" b="1" dirty="0"/>
@@ -8311,7 +8287,7 @@
             <p:ph idx="1"/>
             <p:extLst>
               <p:ext uri="{D42A27DB-BD31-4B8C-83A1-F6EECF244321}">
-                <p14:modId xmlns:p14="http://schemas.microsoft.com/office/powerpoint/2010/main" val="618266423"/>
+                <p14:modId xmlns:p14="http://schemas.microsoft.com/office/powerpoint/2010/main" val="4085362085"/>
               </p:ext>
             </p:extLst>
           </p:nvPr>
@@ -8655,7 +8631,7 @@
                           <a:ea typeface="+mn-ea"/>
                           <a:cs typeface="+mn-cs"/>
                         </a:rPr>
-                        <a:t>퇴근하기 전 당신은</a:t>
+                        <a:t>퇴근하기 전 나는</a:t>
                       </a:r>
                       <a:r>
                         <a:rPr lang="en-US" altLang="ko-KR" sz="1600" b="1" i="0" kern="1200" dirty="0">
@@ -8697,31 +8673,7 @@
                           <a:ea typeface="+mn-ea"/>
                           <a:cs typeface="+mn-cs"/>
                         </a:rPr>
-                        <a:t>내일 할 </a:t>
-                      </a:r>
-                      <a:r>
-                        <a:rPr lang="ko-KR" altLang="en-US" sz="1600" b="0" i="0" kern="1200">
-                          <a:solidFill>
-                            <a:schemeClr val="dk1"/>
-                          </a:solidFill>
-                          <a:effectLst/>
-                          <a:latin typeface="+mn-lt"/>
-                          <a:ea typeface="+mn-ea"/>
-                          <a:cs typeface="+mn-cs"/>
-                        </a:rPr>
-                        <a:t>일을 미리 </a:t>
-                      </a:r>
-                      <a:r>
-                        <a:rPr lang="ko-KR" altLang="en-US" sz="1600" b="0" i="0" kern="1200" dirty="0">
-                          <a:solidFill>
-                            <a:schemeClr val="dk1"/>
-                          </a:solidFill>
-                          <a:effectLst/>
-                          <a:latin typeface="+mn-lt"/>
-                          <a:ea typeface="+mn-ea"/>
-                          <a:cs typeface="+mn-cs"/>
-                        </a:rPr>
-                        <a:t>정리해두고 간다</a:t>
+                        <a:t>내일 할 일을 미리 정리해두고 간다</a:t>
                       </a:r>
                       <a:r>
                         <a:rPr lang="en-US" altLang="ko-KR" sz="1600" b="0" i="0" kern="1200" dirty="0">
